--- a/2021/doc/進捗06.17.pptx
+++ b/2021/doc/進捗06.17.pptx
@@ -316,7 +316,7 @@
           <a:p>
             <a:fld id="{D5AFED1E-92BD-BD48-AAD3-ED3124172433}" type="datetimeFigureOut">
               <a:rPr kumimoji="1" lang="ja-JP" altLang="en-US" smtClean="0"/>
-              <a:t>2021/6/21</a:t>
+              <a:t>2021/7/12</a:t>
             </a:fld>
             <a:endParaRPr kumimoji="1" lang="ja-JP" altLang="en-US"/>
           </a:p>
@@ -546,7 +546,7 @@
           <a:p>
             <a:fld id="{D5AFED1E-92BD-BD48-AAD3-ED3124172433}" type="datetimeFigureOut">
               <a:rPr kumimoji="1" lang="ja-JP" altLang="en-US" smtClean="0"/>
-              <a:t>2021/6/21</a:t>
+              <a:t>2021/7/12</a:t>
             </a:fld>
             <a:endParaRPr kumimoji="1" lang="ja-JP" altLang="en-US"/>
           </a:p>
@@ -786,7 +786,7 @@
           <a:p>
             <a:fld id="{D5AFED1E-92BD-BD48-AAD3-ED3124172433}" type="datetimeFigureOut">
               <a:rPr kumimoji="1" lang="ja-JP" altLang="en-US" smtClean="0"/>
-              <a:t>2021/6/21</a:t>
+              <a:t>2021/7/12</a:t>
             </a:fld>
             <a:endParaRPr kumimoji="1" lang="ja-JP" altLang="en-US"/>
           </a:p>
@@ -1016,7 +1016,7 @@
           <a:p>
             <a:fld id="{D5AFED1E-92BD-BD48-AAD3-ED3124172433}" type="datetimeFigureOut">
               <a:rPr kumimoji="1" lang="ja-JP" altLang="en-US" smtClean="0"/>
-              <a:t>2021/6/21</a:t>
+              <a:t>2021/7/12</a:t>
             </a:fld>
             <a:endParaRPr kumimoji="1" lang="ja-JP" altLang="en-US"/>
           </a:p>
@@ -1291,7 +1291,7 @@
           <a:p>
             <a:fld id="{D5AFED1E-92BD-BD48-AAD3-ED3124172433}" type="datetimeFigureOut">
               <a:rPr kumimoji="1" lang="ja-JP" altLang="en-US" smtClean="0"/>
-              <a:t>2021/6/21</a:t>
+              <a:t>2021/7/12</a:t>
             </a:fld>
             <a:endParaRPr kumimoji="1" lang="ja-JP" altLang="en-US"/>
           </a:p>
@@ -1620,7 +1620,7 @@
           <a:p>
             <a:fld id="{D5AFED1E-92BD-BD48-AAD3-ED3124172433}" type="datetimeFigureOut">
               <a:rPr kumimoji="1" lang="ja-JP" altLang="en-US" smtClean="0"/>
-              <a:t>2021/6/21</a:t>
+              <a:t>2021/7/12</a:t>
             </a:fld>
             <a:endParaRPr kumimoji="1" lang="ja-JP" altLang="en-US"/>
           </a:p>
@@ -2096,7 +2096,7 @@
           <a:p>
             <a:fld id="{D5AFED1E-92BD-BD48-AAD3-ED3124172433}" type="datetimeFigureOut">
               <a:rPr kumimoji="1" lang="ja-JP" altLang="en-US" smtClean="0"/>
-              <a:t>2021/6/21</a:t>
+              <a:t>2021/7/12</a:t>
             </a:fld>
             <a:endParaRPr kumimoji="1" lang="ja-JP" altLang="en-US"/>
           </a:p>
@@ -2237,7 +2237,7 @@
           <a:p>
             <a:fld id="{D5AFED1E-92BD-BD48-AAD3-ED3124172433}" type="datetimeFigureOut">
               <a:rPr kumimoji="1" lang="ja-JP" altLang="en-US" smtClean="0"/>
-              <a:t>2021/6/21</a:t>
+              <a:t>2021/7/12</a:t>
             </a:fld>
             <a:endParaRPr kumimoji="1" lang="ja-JP" altLang="en-US"/>
           </a:p>
@@ -2350,7 +2350,7 @@
           <a:p>
             <a:fld id="{D5AFED1E-92BD-BD48-AAD3-ED3124172433}" type="datetimeFigureOut">
               <a:rPr kumimoji="1" lang="ja-JP" altLang="en-US" smtClean="0"/>
-              <a:t>2021/6/21</a:t>
+              <a:t>2021/7/12</a:t>
             </a:fld>
             <a:endParaRPr kumimoji="1" lang="ja-JP" altLang="en-US"/>
           </a:p>
@@ -2693,7 +2693,7 @@
           <a:p>
             <a:fld id="{D5AFED1E-92BD-BD48-AAD3-ED3124172433}" type="datetimeFigureOut">
               <a:rPr kumimoji="1" lang="ja-JP" altLang="en-US" smtClean="0"/>
-              <a:t>2021/6/21</a:t>
+              <a:t>2021/7/12</a:t>
             </a:fld>
             <a:endParaRPr kumimoji="1" lang="ja-JP" altLang="en-US"/>
           </a:p>
@@ -2981,7 +2981,7 @@
           <a:p>
             <a:fld id="{D5AFED1E-92BD-BD48-AAD3-ED3124172433}" type="datetimeFigureOut">
               <a:rPr kumimoji="1" lang="ja-JP" altLang="en-US" smtClean="0"/>
-              <a:t>2021/6/21</a:t>
+              <a:t>2021/7/12</a:t>
             </a:fld>
             <a:endParaRPr kumimoji="1" lang="ja-JP" altLang="en-US"/>
           </a:p>
@@ -3254,7 +3254,7 @@
           <a:p>
             <a:fld id="{D5AFED1E-92BD-BD48-AAD3-ED3124172433}" type="datetimeFigureOut">
               <a:rPr kumimoji="1" lang="ja-JP" altLang="en-US" smtClean="0"/>
-              <a:t>2021/6/21</a:t>
+              <a:t>2021/7/12</a:t>
             </a:fld>
             <a:endParaRPr kumimoji="1" lang="ja-JP" altLang="en-US"/>
           </a:p>
@@ -7276,33 +7276,6 @@
               <a:buFont typeface="Arial" panose="020B0604020202020204" pitchFamily="34" charset="0"/>
               <a:buChar char="•"/>
             </a:pPr>
-            <a:r>
-              <a:rPr lang="en-US" altLang="ja-JP" dirty="0">
-                <a:solidFill>
-                  <a:srgbClr val="333333"/>
-                </a:solidFill>
-                <a:latin typeface="-apple-system"/>
-              </a:rPr>
-              <a:t>(</a:t>
-            </a:r>
-            <a:r>
-              <a:rPr lang="ja-JP" altLang="en-US">
-                <a:solidFill>
-                  <a:srgbClr val="333333"/>
-                </a:solidFill>
-                <a:latin typeface="-apple-system"/>
-              </a:rPr>
-              <a:t>参考</a:t>
-            </a:r>
-            <a:r>
-              <a:rPr lang="en-US" altLang="ja-JP" dirty="0">
-                <a:solidFill>
-                  <a:srgbClr val="333333"/>
-                </a:solidFill>
-                <a:latin typeface="-apple-system"/>
-              </a:rPr>
-              <a:t>) </a:t>
-            </a:r>
             <a:r>
               <a:rPr lang="ja-JP" altLang="en-US" b="1">
                 <a:solidFill>
